--- a/attach/支付系统设计.pptx
+++ b/attach/支付系统设计.pptx
@@ -4469,7 +4469,7 @@
         </p:blipFill>
         <p:spPr bwMode="auto">
           <a:xfrm>
-            <a:off x="8949951" y="932722"/>
+            <a:off x="8344967" y="651026"/>
             <a:ext cx="3381001" cy="5469266"/>
           </a:xfrm>
           <a:prstGeom prst="rect">
@@ -4560,7 +4560,7 @@
             <a:avLst/>
           </a:prstGeom>
           <a:solidFill>
-            <a:schemeClr val="accent6">
+            <a:schemeClr val="accent5">
               <a:lumMod val="75000"/>
             </a:schemeClr>
           </a:solidFill>
@@ -4618,7 +4618,7 @@
             <a:avLst/>
           </a:prstGeom>
           <a:solidFill>
-            <a:schemeClr val="accent6">
+            <a:schemeClr val="accent5">
               <a:lumMod val="75000"/>
             </a:schemeClr>
           </a:solidFill>
@@ -4676,8 +4676,8 @@
             <a:avLst/>
           </a:prstGeom>
           <a:solidFill>
-            <a:schemeClr val="accent6">
-              <a:lumMod val="75000"/>
+            <a:schemeClr val="accent2">
+              <a:lumMod val="50000"/>
             </a:schemeClr>
           </a:solidFill>
           <a:ln>
@@ -4719,6 +4719,222 @@
           </a:p>
         </p:txBody>
       </p:sp>
+      <p:cxnSp>
+        <p:nvCxnSpPr>
+          <p:cNvPr id="9" name="曲线连接符 8"/>
+          <p:cNvCxnSpPr>
+            <a:stCxn id="3" idx="6"/>
+            <a:endCxn id="5" idx="2"/>
+          </p:cNvCxnSpPr>
+          <p:nvPr/>
+        </p:nvCxnSpPr>
+        <p:spPr>
+          <a:xfrm flipV="1">
+            <a:off x="2143794" y="2046393"/>
+            <a:ext cx="694599" cy="1344706"/>
+          </a:xfrm>
+          <a:prstGeom prst="curvedConnector3">
+            <a:avLst/>
+          </a:prstGeom>
+          <a:ln>
+            <a:tailEnd type="triangle"/>
+          </a:ln>
+        </p:spPr>
+        <p:style>
+          <a:lnRef idx="1">
+            <a:schemeClr val="accent1"/>
+          </a:lnRef>
+          <a:fillRef idx="0">
+            <a:schemeClr val="accent1"/>
+          </a:fillRef>
+          <a:effectRef idx="0">
+            <a:schemeClr val="accent1"/>
+          </a:effectRef>
+          <a:fontRef idx="minor">
+            <a:schemeClr val="tx1"/>
+          </a:fontRef>
+        </p:style>
+      </p:cxnSp>
+      <p:cxnSp>
+        <p:nvCxnSpPr>
+          <p:cNvPr id="11" name="曲线连接符 10"/>
+          <p:cNvCxnSpPr>
+            <a:stCxn id="3" idx="6"/>
+            <a:endCxn id="6" idx="2"/>
+          </p:cNvCxnSpPr>
+          <p:nvPr/>
+        </p:nvCxnSpPr>
+        <p:spPr>
+          <a:xfrm>
+            <a:off x="2143794" y="3391099"/>
+            <a:ext cx="694599" cy="12700"/>
+          </a:xfrm>
+          <a:prstGeom prst="curvedConnector3">
+            <a:avLst/>
+          </a:prstGeom>
+          <a:ln>
+            <a:tailEnd type="triangle"/>
+          </a:ln>
+        </p:spPr>
+        <p:style>
+          <a:lnRef idx="1">
+            <a:schemeClr val="accent1"/>
+          </a:lnRef>
+          <a:fillRef idx="0">
+            <a:schemeClr val="accent1"/>
+          </a:fillRef>
+          <a:effectRef idx="0">
+            <a:schemeClr val="accent1"/>
+          </a:effectRef>
+          <a:fontRef idx="minor">
+            <a:schemeClr val="tx1"/>
+          </a:fontRef>
+        </p:style>
+      </p:cxnSp>
+      <p:cxnSp>
+        <p:nvCxnSpPr>
+          <p:cNvPr id="13" name="曲线连接符 12"/>
+          <p:cNvCxnSpPr>
+            <a:stCxn id="3" idx="6"/>
+            <a:endCxn id="7" idx="2"/>
+          </p:cNvCxnSpPr>
+          <p:nvPr/>
+        </p:nvCxnSpPr>
+        <p:spPr>
+          <a:xfrm>
+            <a:off x="2143794" y="3391099"/>
+            <a:ext cx="694598" cy="1546411"/>
+          </a:xfrm>
+          <a:prstGeom prst="curvedConnector3">
+            <a:avLst/>
+          </a:prstGeom>
+          <a:ln>
+            <a:tailEnd type="triangle"/>
+          </a:ln>
+        </p:spPr>
+        <p:style>
+          <a:lnRef idx="1">
+            <a:schemeClr val="accent1"/>
+          </a:lnRef>
+          <a:fillRef idx="0">
+            <a:schemeClr val="accent1"/>
+          </a:fillRef>
+          <a:effectRef idx="0">
+            <a:schemeClr val="accent1"/>
+          </a:effectRef>
+          <a:fontRef idx="minor">
+            <a:schemeClr val="tx1"/>
+          </a:fontRef>
+        </p:style>
+      </p:cxnSp>
+      <p:cxnSp>
+        <p:nvCxnSpPr>
+          <p:cNvPr id="15" name="曲线连接符 14"/>
+          <p:cNvCxnSpPr>
+            <a:stCxn id="5" idx="6"/>
+            <a:endCxn id="8" idx="2"/>
+          </p:cNvCxnSpPr>
+          <p:nvPr/>
+        </p:nvCxnSpPr>
+        <p:spPr>
+          <a:xfrm>
+            <a:off x="4349112" y="2046393"/>
+            <a:ext cx="789700" cy="1344706"/>
+          </a:xfrm>
+          <a:prstGeom prst="curvedConnector3">
+            <a:avLst/>
+          </a:prstGeom>
+          <a:ln>
+            <a:tailEnd type="triangle"/>
+          </a:ln>
+        </p:spPr>
+        <p:style>
+          <a:lnRef idx="1">
+            <a:schemeClr val="accent1"/>
+          </a:lnRef>
+          <a:fillRef idx="0">
+            <a:schemeClr val="accent1"/>
+          </a:fillRef>
+          <a:effectRef idx="0">
+            <a:schemeClr val="accent1"/>
+          </a:effectRef>
+          <a:fontRef idx="minor">
+            <a:schemeClr val="tx1"/>
+          </a:fontRef>
+        </p:style>
+      </p:cxnSp>
+      <p:cxnSp>
+        <p:nvCxnSpPr>
+          <p:cNvPr id="17" name="曲线连接符 16"/>
+          <p:cNvCxnSpPr>
+            <a:stCxn id="6" idx="6"/>
+            <a:endCxn id="8" idx="2"/>
+          </p:cNvCxnSpPr>
+          <p:nvPr/>
+        </p:nvCxnSpPr>
+        <p:spPr>
+          <a:xfrm>
+            <a:off x="4349112" y="3391099"/>
+            <a:ext cx="789700" cy="12700"/>
+          </a:xfrm>
+          <a:prstGeom prst="curvedConnector3">
+            <a:avLst/>
+          </a:prstGeom>
+          <a:ln>
+            <a:tailEnd type="triangle"/>
+          </a:ln>
+        </p:spPr>
+        <p:style>
+          <a:lnRef idx="1">
+            <a:schemeClr val="accent1"/>
+          </a:lnRef>
+          <a:fillRef idx="0">
+            <a:schemeClr val="accent1"/>
+          </a:fillRef>
+          <a:effectRef idx="0">
+            <a:schemeClr val="accent1"/>
+          </a:effectRef>
+          <a:fontRef idx="minor">
+            <a:schemeClr val="tx1"/>
+          </a:fontRef>
+        </p:style>
+      </p:cxnSp>
+      <p:cxnSp>
+        <p:nvCxnSpPr>
+          <p:cNvPr id="19" name="曲线连接符 18"/>
+          <p:cNvCxnSpPr>
+            <a:stCxn id="7" idx="6"/>
+            <a:endCxn id="8" idx="2"/>
+          </p:cNvCxnSpPr>
+          <p:nvPr/>
+        </p:nvCxnSpPr>
+        <p:spPr>
+          <a:xfrm flipV="1">
+            <a:off x="4349111" y="3391099"/>
+            <a:ext cx="789701" cy="1546411"/>
+          </a:xfrm>
+          <a:prstGeom prst="curvedConnector3">
+            <a:avLst/>
+          </a:prstGeom>
+          <a:ln>
+            <a:tailEnd type="triangle"/>
+          </a:ln>
+        </p:spPr>
+        <p:style>
+          <a:lnRef idx="1">
+            <a:schemeClr val="accent1"/>
+          </a:lnRef>
+          <a:fillRef idx="0">
+            <a:schemeClr val="accent1"/>
+          </a:fillRef>
+          <a:effectRef idx="0">
+            <a:schemeClr val="accent1"/>
+          </a:effectRef>
+          <a:fontRef idx="minor">
+            <a:schemeClr val="tx1"/>
+          </a:fontRef>
+        </p:style>
+      </p:cxnSp>
     </p:spTree>
     <p:extLst>
       <p:ext uri="{BB962C8B-B14F-4D97-AF65-F5344CB8AC3E}">
@@ -4784,2087 +5000,6 @@
           </a:p>
         </p:txBody>
       </p:sp>
-      <p:sp>
-        <p:nvSpPr>
-          <p:cNvPr id="5" name="圆角矩形 4"/>
-          <p:cNvSpPr/>
-          <p:nvPr/>
-        </p:nvSpPr>
-        <p:spPr>
-          <a:xfrm>
-            <a:off x="805994" y="1234556"/>
-            <a:ext cx="1458310" cy="346841"/>
-          </a:xfrm>
-          <a:prstGeom prst="roundRect">
-            <a:avLst/>
-          </a:prstGeom>
-          <a:solidFill>
-            <a:schemeClr val="accent3">
-              <a:lumMod val="20000"/>
-              <a:lumOff val="80000"/>
-            </a:schemeClr>
-          </a:solidFill>
-          <a:ln w="6350">
-            <a:solidFill>
-              <a:schemeClr val="accent3">
-                <a:lumMod val="60000"/>
-                <a:lumOff val="40000"/>
-              </a:schemeClr>
-            </a:solidFill>
-          </a:ln>
-        </p:spPr>
-        <p:style>
-          <a:lnRef idx="2">
-            <a:schemeClr val="accent1">
-              <a:shade val="50000"/>
-            </a:schemeClr>
-          </a:lnRef>
-          <a:fillRef idx="1">
-            <a:schemeClr val="accent1"/>
-          </a:fillRef>
-          <a:effectRef idx="0">
-            <a:schemeClr val="accent1"/>
-          </a:effectRef>
-          <a:fontRef idx="minor">
-            <a:schemeClr val="lt1"/>
-          </a:fontRef>
-        </p:style>
-        <p:txBody>
-          <a:bodyPr rtlCol="0" anchor="t"/>
-          <a:lstStyle/>
-          <a:p>
-            <a:pPr algn="ctr"/>
-            <a:r>
-              <a:rPr lang="zh-CN" altLang="en-US" sz="1400" dirty="0" smtClean="0">
-                <a:solidFill>
-                  <a:schemeClr val="accent3">
-                    <a:lumMod val="50000"/>
-                  </a:schemeClr>
-                </a:solidFill>
-                <a:latin typeface="微软雅黑" panose="020B0503020204020204" pitchFamily="34" charset="-122"/>
-                <a:ea typeface="微软雅黑" panose="020B0503020204020204" pitchFamily="34" charset="-122"/>
-              </a:rPr>
-              <a:t>奇豆、奇点</a:t>
-            </a:r>
-            <a:endParaRPr lang="zh-CN" altLang="en-US" sz="1400" dirty="0">
-              <a:solidFill>
-                <a:schemeClr val="accent3">
-                  <a:lumMod val="50000"/>
-                </a:schemeClr>
-              </a:solidFill>
-              <a:latin typeface="微软雅黑" panose="020B0503020204020204" pitchFamily="34" charset="-122"/>
-              <a:ea typeface="微软雅黑" panose="020B0503020204020204" pitchFamily="34" charset="-122"/>
-            </a:endParaRPr>
-          </a:p>
-        </p:txBody>
-      </p:sp>
-      <p:sp>
-        <p:nvSpPr>
-          <p:cNvPr id="6" name="圆角矩形 5"/>
-          <p:cNvSpPr/>
-          <p:nvPr/>
-        </p:nvSpPr>
-        <p:spPr>
-          <a:xfrm>
-            <a:off x="805994" y="1760143"/>
-            <a:ext cx="1458310" cy="346841"/>
-          </a:xfrm>
-          <a:prstGeom prst="roundRect">
-            <a:avLst/>
-          </a:prstGeom>
-          <a:solidFill>
-            <a:schemeClr val="accent3">
-              <a:lumMod val="20000"/>
-              <a:lumOff val="80000"/>
-            </a:schemeClr>
-          </a:solidFill>
-          <a:ln w="6350">
-            <a:solidFill>
-              <a:schemeClr val="accent3">
-                <a:lumMod val="60000"/>
-                <a:lumOff val="40000"/>
-              </a:schemeClr>
-            </a:solidFill>
-          </a:ln>
-        </p:spPr>
-        <p:style>
-          <a:lnRef idx="2">
-            <a:schemeClr val="accent1">
-              <a:shade val="50000"/>
-            </a:schemeClr>
-          </a:lnRef>
-          <a:fillRef idx="1">
-            <a:schemeClr val="accent1"/>
-          </a:fillRef>
-          <a:effectRef idx="0">
-            <a:schemeClr val="accent1"/>
-          </a:effectRef>
-          <a:fontRef idx="minor">
-            <a:schemeClr val="lt1"/>
-          </a:fontRef>
-        </p:style>
-        <p:txBody>
-          <a:bodyPr rtlCol="0" anchor="t"/>
-          <a:lstStyle/>
-          <a:p>
-            <a:pPr algn="ctr"/>
-            <a:r>
-              <a:rPr lang="zh-CN" altLang="en-US" sz="1400" dirty="0">
-                <a:solidFill>
-                  <a:schemeClr val="accent3">
-                    <a:lumMod val="50000"/>
-                  </a:schemeClr>
-                </a:solidFill>
-                <a:latin typeface="微软雅黑" panose="020B0503020204020204" pitchFamily="34" charset="-122"/>
-                <a:ea typeface="微软雅黑" panose="020B0503020204020204" pitchFamily="34" charset="-122"/>
-              </a:rPr>
-              <a:t>秀</a:t>
-            </a:r>
-            <a:r>
-              <a:rPr lang="zh-CN" altLang="en-US" sz="1400" dirty="0" smtClean="0">
-                <a:solidFill>
-                  <a:schemeClr val="accent3">
-                    <a:lumMod val="50000"/>
-                  </a:schemeClr>
-                </a:solidFill>
-                <a:latin typeface="微软雅黑" panose="020B0503020204020204" pitchFamily="34" charset="-122"/>
-                <a:ea typeface="微软雅黑" panose="020B0503020204020204" pitchFamily="34" charset="-122"/>
-              </a:rPr>
-              <a:t>场</a:t>
-            </a:r>
-            <a:endParaRPr lang="en-US" altLang="zh-CN" sz="1400" dirty="0" smtClean="0">
-              <a:solidFill>
-                <a:schemeClr val="accent3">
-                  <a:lumMod val="50000"/>
-                </a:schemeClr>
-              </a:solidFill>
-              <a:latin typeface="微软雅黑" panose="020B0503020204020204" pitchFamily="34" charset="-122"/>
-              <a:ea typeface="微软雅黑" panose="020B0503020204020204" pitchFamily="34" charset="-122"/>
-            </a:endParaRPr>
-          </a:p>
-        </p:txBody>
-      </p:sp>
-      <p:sp>
-        <p:nvSpPr>
-          <p:cNvPr id="7" name="圆角矩形 6"/>
-          <p:cNvSpPr/>
-          <p:nvPr/>
-        </p:nvSpPr>
-        <p:spPr>
-          <a:xfrm>
-            <a:off x="805994" y="2298938"/>
-            <a:ext cx="1458310" cy="346841"/>
-          </a:xfrm>
-          <a:prstGeom prst="roundRect">
-            <a:avLst/>
-          </a:prstGeom>
-          <a:solidFill>
-            <a:schemeClr val="accent3">
-              <a:lumMod val="20000"/>
-              <a:lumOff val="80000"/>
-            </a:schemeClr>
-          </a:solidFill>
-          <a:ln w="6350">
-            <a:solidFill>
-              <a:schemeClr val="accent3">
-                <a:lumMod val="60000"/>
-                <a:lumOff val="40000"/>
-              </a:schemeClr>
-            </a:solidFill>
-          </a:ln>
-        </p:spPr>
-        <p:style>
-          <a:lnRef idx="2">
-            <a:schemeClr val="accent1">
-              <a:shade val="50000"/>
-            </a:schemeClr>
-          </a:lnRef>
-          <a:fillRef idx="1">
-            <a:schemeClr val="accent1"/>
-          </a:fillRef>
-          <a:effectRef idx="0">
-            <a:schemeClr val="accent1"/>
-          </a:effectRef>
-          <a:fontRef idx="minor">
-            <a:schemeClr val="lt1"/>
-          </a:fontRef>
-        </p:style>
-        <p:txBody>
-          <a:bodyPr rtlCol="0" anchor="t"/>
-          <a:lstStyle/>
-          <a:p>
-            <a:pPr algn="ctr"/>
-            <a:r>
-              <a:rPr lang="zh-CN" altLang="en-US" sz="1400" dirty="0">
-                <a:solidFill>
-                  <a:schemeClr val="accent3">
-                    <a:lumMod val="50000"/>
-                  </a:schemeClr>
-                </a:solidFill>
-                <a:latin typeface="微软雅黑" panose="020B0503020204020204" pitchFamily="34" charset="-122"/>
-                <a:ea typeface="微软雅黑" panose="020B0503020204020204" pitchFamily="34" charset="-122"/>
-              </a:rPr>
-              <a:t>阅读</a:t>
-            </a:r>
-            <a:endParaRPr lang="en-US" altLang="zh-CN" sz="1400" dirty="0" smtClean="0">
-              <a:solidFill>
-                <a:schemeClr val="accent3">
-                  <a:lumMod val="50000"/>
-                </a:schemeClr>
-              </a:solidFill>
-              <a:latin typeface="微软雅黑" panose="020B0503020204020204" pitchFamily="34" charset="-122"/>
-              <a:ea typeface="微软雅黑" panose="020B0503020204020204" pitchFamily="34" charset="-122"/>
-            </a:endParaRPr>
-          </a:p>
-        </p:txBody>
-      </p:sp>
-      <p:sp>
-        <p:nvSpPr>
-          <p:cNvPr id="8" name="圆角矩形 7"/>
-          <p:cNvSpPr/>
-          <p:nvPr/>
-        </p:nvSpPr>
-        <p:spPr>
-          <a:xfrm>
-            <a:off x="805994" y="2837733"/>
-            <a:ext cx="1458310" cy="346841"/>
-          </a:xfrm>
-          <a:prstGeom prst="roundRect">
-            <a:avLst/>
-          </a:prstGeom>
-          <a:solidFill>
-            <a:schemeClr val="accent3">
-              <a:lumMod val="20000"/>
-              <a:lumOff val="80000"/>
-            </a:schemeClr>
-          </a:solidFill>
-          <a:ln w="6350">
-            <a:solidFill>
-              <a:schemeClr val="accent3">
-                <a:lumMod val="60000"/>
-                <a:lumOff val="40000"/>
-              </a:schemeClr>
-            </a:solidFill>
-          </a:ln>
-        </p:spPr>
-        <p:style>
-          <a:lnRef idx="2">
-            <a:schemeClr val="accent1">
-              <a:shade val="50000"/>
-            </a:schemeClr>
-          </a:lnRef>
-          <a:fillRef idx="1">
-            <a:schemeClr val="accent1"/>
-          </a:fillRef>
-          <a:effectRef idx="0">
-            <a:schemeClr val="accent1"/>
-          </a:effectRef>
-          <a:fontRef idx="minor">
-            <a:schemeClr val="lt1"/>
-          </a:fontRef>
-        </p:style>
-        <p:txBody>
-          <a:bodyPr rtlCol="0" anchor="t"/>
-          <a:lstStyle/>
-          <a:p>
-            <a:pPr algn="ctr"/>
-            <a:r>
-              <a:rPr lang="zh-CN" altLang="en-US" sz="1400" dirty="0">
-                <a:solidFill>
-                  <a:schemeClr val="accent3">
-                    <a:lumMod val="50000"/>
-                  </a:schemeClr>
-                </a:solidFill>
-                <a:latin typeface="微软雅黑" panose="020B0503020204020204" pitchFamily="34" charset="-122"/>
-                <a:ea typeface="微软雅黑" panose="020B0503020204020204" pitchFamily="34" charset="-122"/>
-              </a:rPr>
-              <a:t>电影票</a:t>
-            </a:r>
-            <a:endParaRPr lang="en-US" altLang="zh-CN" sz="1400" dirty="0" smtClean="0">
-              <a:solidFill>
-                <a:schemeClr val="accent3">
-                  <a:lumMod val="50000"/>
-                </a:schemeClr>
-              </a:solidFill>
-              <a:latin typeface="微软雅黑" panose="020B0503020204020204" pitchFamily="34" charset="-122"/>
-              <a:ea typeface="微软雅黑" panose="020B0503020204020204" pitchFamily="34" charset="-122"/>
-            </a:endParaRPr>
-          </a:p>
-        </p:txBody>
-      </p:sp>
-      <p:sp>
-        <p:nvSpPr>
-          <p:cNvPr id="9" name="圆角矩形 8"/>
-          <p:cNvSpPr/>
-          <p:nvPr/>
-        </p:nvSpPr>
-        <p:spPr>
-          <a:xfrm>
-            <a:off x="805994" y="3376528"/>
-            <a:ext cx="1458310" cy="346841"/>
-          </a:xfrm>
-          <a:prstGeom prst="roundRect">
-            <a:avLst/>
-          </a:prstGeom>
-          <a:solidFill>
-            <a:schemeClr val="accent3">
-              <a:lumMod val="20000"/>
-              <a:lumOff val="80000"/>
-            </a:schemeClr>
-          </a:solidFill>
-          <a:ln w="6350">
-            <a:solidFill>
-              <a:schemeClr val="accent3">
-                <a:lumMod val="60000"/>
-                <a:lumOff val="40000"/>
-              </a:schemeClr>
-            </a:solidFill>
-          </a:ln>
-        </p:spPr>
-        <p:style>
-          <a:lnRef idx="2">
-            <a:schemeClr val="accent1">
-              <a:shade val="50000"/>
-            </a:schemeClr>
-          </a:lnRef>
-          <a:fillRef idx="1">
-            <a:schemeClr val="accent1"/>
-          </a:fillRef>
-          <a:effectRef idx="0">
-            <a:schemeClr val="accent1"/>
-          </a:effectRef>
-          <a:fontRef idx="minor">
-            <a:schemeClr val="lt1"/>
-          </a:fontRef>
-        </p:style>
-        <p:txBody>
-          <a:bodyPr rtlCol="0" anchor="t"/>
-          <a:lstStyle/>
-          <a:p>
-            <a:pPr algn="ctr"/>
-            <a:r>
-              <a:rPr lang="zh-CN" altLang="en-US" sz="1400" dirty="0">
-                <a:solidFill>
-                  <a:schemeClr val="accent3">
-                    <a:lumMod val="50000"/>
-                  </a:schemeClr>
-                </a:solidFill>
-                <a:latin typeface="微软雅黑" panose="020B0503020204020204" pitchFamily="34" charset="-122"/>
-                <a:ea typeface="微软雅黑" panose="020B0503020204020204" pitchFamily="34" charset="-122"/>
-              </a:rPr>
-              <a:t>电商</a:t>
-            </a:r>
-            <a:endParaRPr lang="en-US" altLang="zh-CN" sz="1400" dirty="0" smtClean="0">
-              <a:solidFill>
-                <a:schemeClr val="accent3">
-                  <a:lumMod val="50000"/>
-                </a:schemeClr>
-              </a:solidFill>
-              <a:latin typeface="微软雅黑" panose="020B0503020204020204" pitchFamily="34" charset="-122"/>
-              <a:ea typeface="微软雅黑" panose="020B0503020204020204" pitchFamily="34" charset="-122"/>
-            </a:endParaRPr>
-          </a:p>
-        </p:txBody>
-      </p:sp>
-      <p:sp>
-        <p:nvSpPr>
-          <p:cNvPr id="10" name="圆角矩形 9"/>
-          <p:cNvSpPr/>
-          <p:nvPr/>
-        </p:nvSpPr>
-        <p:spPr>
-          <a:xfrm>
-            <a:off x="805994" y="3915323"/>
-            <a:ext cx="1458310" cy="346841"/>
-          </a:xfrm>
-          <a:prstGeom prst="roundRect">
-            <a:avLst/>
-          </a:prstGeom>
-          <a:solidFill>
-            <a:schemeClr val="accent3">
-              <a:lumMod val="20000"/>
-              <a:lumOff val="80000"/>
-            </a:schemeClr>
-          </a:solidFill>
-          <a:ln w="6350">
-            <a:solidFill>
-              <a:schemeClr val="accent3">
-                <a:lumMod val="60000"/>
-                <a:lumOff val="40000"/>
-              </a:schemeClr>
-            </a:solidFill>
-          </a:ln>
-        </p:spPr>
-        <p:style>
-          <a:lnRef idx="2">
-            <a:schemeClr val="accent1">
-              <a:shade val="50000"/>
-            </a:schemeClr>
-          </a:lnRef>
-          <a:fillRef idx="1">
-            <a:schemeClr val="accent1"/>
-          </a:fillRef>
-          <a:effectRef idx="0">
-            <a:schemeClr val="accent1"/>
-          </a:effectRef>
-          <a:fontRef idx="minor">
-            <a:schemeClr val="lt1"/>
-          </a:fontRef>
-        </p:style>
-        <p:txBody>
-          <a:bodyPr rtlCol="0" anchor="t"/>
-          <a:lstStyle/>
-          <a:p>
-            <a:pPr algn="ctr"/>
-            <a:r>
-              <a:rPr lang="zh-CN" altLang="en-US" sz="1400" dirty="0">
-                <a:solidFill>
-                  <a:schemeClr val="accent3">
-                    <a:lumMod val="50000"/>
-                  </a:schemeClr>
-                </a:solidFill>
-                <a:latin typeface="微软雅黑" panose="020B0503020204020204" pitchFamily="34" charset="-122"/>
-                <a:ea typeface="微软雅黑" panose="020B0503020204020204" pitchFamily="34" charset="-122"/>
-              </a:rPr>
-              <a:t>游戏</a:t>
-            </a:r>
-            <a:endParaRPr lang="en-US" altLang="zh-CN" sz="1400" dirty="0" smtClean="0">
-              <a:solidFill>
-                <a:schemeClr val="accent3">
-                  <a:lumMod val="50000"/>
-                </a:schemeClr>
-              </a:solidFill>
-              <a:latin typeface="微软雅黑" panose="020B0503020204020204" pitchFamily="34" charset="-122"/>
-              <a:ea typeface="微软雅黑" panose="020B0503020204020204" pitchFamily="34" charset="-122"/>
-            </a:endParaRPr>
-          </a:p>
-        </p:txBody>
-      </p:sp>
-      <p:sp>
-        <p:nvSpPr>
-          <p:cNvPr id="11" name="圆角矩形 10"/>
-          <p:cNvSpPr/>
-          <p:nvPr/>
-        </p:nvSpPr>
-        <p:spPr>
-          <a:xfrm>
-            <a:off x="805994" y="4462630"/>
-            <a:ext cx="1458310" cy="346841"/>
-          </a:xfrm>
-          <a:prstGeom prst="roundRect">
-            <a:avLst/>
-          </a:prstGeom>
-          <a:solidFill>
-            <a:schemeClr val="accent3">
-              <a:lumMod val="20000"/>
-              <a:lumOff val="80000"/>
-            </a:schemeClr>
-          </a:solidFill>
-          <a:ln w="6350">
-            <a:solidFill>
-              <a:schemeClr val="accent3">
-                <a:lumMod val="60000"/>
-                <a:lumOff val="40000"/>
-              </a:schemeClr>
-            </a:solidFill>
-          </a:ln>
-        </p:spPr>
-        <p:style>
-          <a:lnRef idx="2">
-            <a:schemeClr val="accent1">
-              <a:shade val="50000"/>
-            </a:schemeClr>
-          </a:lnRef>
-          <a:fillRef idx="1">
-            <a:schemeClr val="accent1"/>
-          </a:fillRef>
-          <a:effectRef idx="0">
-            <a:schemeClr val="accent1"/>
-          </a:effectRef>
-          <a:fontRef idx="minor">
-            <a:schemeClr val="lt1"/>
-          </a:fontRef>
-        </p:style>
-        <p:txBody>
-          <a:bodyPr rtlCol="0" anchor="t"/>
-          <a:lstStyle/>
-          <a:p>
-            <a:pPr algn="ctr"/>
-            <a:r>
-              <a:rPr lang="zh-CN" altLang="en-US" sz="1400" dirty="0" smtClean="0">
-                <a:solidFill>
-                  <a:schemeClr val="accent3">
-                    <a:lumMod val="50000"/>
-                  </a:schemeClr>
-                </a:solidFill>
-                <a:latin typeface="微软雅黑" panose="020B0503020204020204" pitchFamily="34" charset="-122"/>
-                <a:ea typeface="微软雅黑" panose="020B0503020204020204" pitchFamily="34" charset="-122"/>
-              </a:rPr>
-              <a:t>动画屋</a:t>
-            </a:r>
-            <a:endParaRPr lang="en-US" altLang="zh-CN" sz="1400" dirty="0" smtClean="0">
-              <a:solidFill>
-                <a:schemeClr val="accent3">
-                  <a:lumMod val="50000"/>
-                </a:schemeClr>
-              </a:solidFill>
-              <a:latin typeface="微软雅黑" panose="020B0503020204020204" pitchFamily="34" charset="-122"/>
-              <a:ea typeface="微软雅黑" panose="020B0503020204020204" pitchFamily="34" charset="-122"/>
-            </a:endParaRPr>
-          </a:p>
-        </p:txBody>
-      </p:sp>
-      <p:sp>
-        <p:nvSpPr>
-          <p:cNvPr id="12" name="矩形 11"/>
-          <p:cNvSpPr/>
-          <p:nvPr/>
-        </p:nvSpPr>
-        <p:spPr>
-          <a:xfrm>
-            <a:off x="2937099" y="1727325"/>
-            <a:ext cx="1152000" cy="360000"/>
-          </a:xfrm>
-          <a:prstGeom prst="rect">
-            <a:avLst/>
-          </a:prstGeom>
-          <a:solidFill>
-            <a:schemeClr val="accent3">
-              <a:lumMod val="50000"/>
-            </a:schemeClr>
-          </a:solidFill>
-          <a:ln>
-            <a:noFill/>
-          </a:ln>
-        </p:spPr>
-        <p:style>
-          <a:lnRef idx="2">
-            <a:schemeClr val="accent1">
-              <a:shade val="50000"/>
-            </a:schemeClr>
-          </a:lnRef>
-          <a:fillRef idx="1">
-            <a:schemeClr val="accent1"/>
-          </a:fillRef>
-          <a:effectRef idx="0">
-            <a:schemeClr val="accent1"/>
-          </a:effectRef>
-          <a:fontRef idx="minor">
-            <a:schemeClr val="lt1"/>
-          </a:fontRef>
-        </p:style>
-        <p:txBody>
-          <a:bodyPr rtlCol="0" anchor="ctr" anchorCtr="0"/>
-          <a:lstStyle/>
-          <a:p>
-            <a:pPr algn="ctr"/>
-            <a:r>
-              <a:rPr lang="zh-CN" altLang="en-US" sz="1200" dirty="0">
-                <a:latin typeface="微软雅黑" panose="020B0503020204020204" pitchFamily="34" charset="-122"/>
-                <a:ea typeface="微软雅黑" panose="020B0503020204020204" pitchFamily="34" charset="-122"/>
-              </a:rPr>
-              <a:t>收</a:t>
-            </a:r>
-            <a:r>
-              <a:rPr lang="zh-CN" altLang="en-US" sz="1200" dirty="0" smtClean="0">
-                <a:latin typeface="微软雅黑" panose="020B0503020204020204" pitchFamily="34" charset="-122"/>
-                <a:ea typeface="微软雅黑" panose="020B0503020204020204" pitchFamily="34" charset="-122"/>
-              </a:rPr>
-              <a:t>银台前端</a:t>
-            </a:r>
-            <a:endParaRPr lang="zh-CN" altLang="en-US" sz="1200" dirty="0">
-              <a:latin typeface="微软雅黑" panose="020B0503020204020204" pitchFamily="34" charset="-122"/>
-              <a:ea typeface="微软雅黑" panose="020B0503020204020204" pitchFamily="34" charset="-122"/>
-            </a:endParaRPr>
-          </a:p>
-        </p:txBody>
-      </p:sp>
-      <p:cxnSp>
-        <p:nvCxnSpPr>
-          <p:cNvPr id="14" name="肘形连接符 13"/>
-          <p:cNvCxnSpPr>
-            <a:stCxn id="5" idx="3"/>
-            <a:endCxn id="12" idx="1"/>
-          </p:cNvCxnSpPr>
-          <p:nvPr/>
-        </p:nvCxnSpPr>
-        <p:spPr>
-          <a:xfrm>
-            <a:off x="2264304" y="1407977"/>
-            <a:ext cx="672795" cy="499348"/>
-          </a:xfrm>
-          <a:prstGeom prst="bentConnector3">
-            <a:avLst/>
-          </a:prstGeom>
-          <a:ln>
-            <a:tailEnd type="triangle"/>
-          </a:ln>
-        </p:spPr>
-        <p:style>
-          <a:lnRef idx="1">
-            <a:schemeClr val="accent1"/>
-          </a:lnRef>
-          <a:fillRef idx="0">
-            <a:schemeClr val="accent1"/>
-          </a:fillRef>
-          <a:effectRef idx="0">
-            <a:schemeClr val="accent1"/>
-          </a:effectRef>
-          <a:fontRef idx="minor">
-            <a:schemeClr val="tx1"/>
-          </a:fontRef>
-        </p:style>
-      </p:cxnSp>
-      <p:cxnSp>
-        <p:nvCxnSpPr>
-          <p:cNvPr id="16" name="肘形连接符 15"/>
-          <p:cNvCxnSpPr>
-            <a:stCxn id="6" idx="3"/>
-            <a:endCxn id="12" idx="1"/>
-          </p:cNvCxnSpPr>
-          <p:nvPr/>
-        </p:nvCxnSpPr>
-        <p:spPr>
-          <a:xfrm flipV="1">
-            <a:off x="2264304" y="1907325"/>
-            <a:ext cx="672795" cy="26239"/>
-          </a:xfrm>
-          <a:prstGeom prst="bentConnector3">
-            <a:avLst/>
-          </a:prstGeom>
-          <a:ln>
-            <a:tailEnd type="triangle"/>
-          </a:ln>
-        </p:spPr>
-        <p:style>
-          <a:lnRef idx="1">
-            <a:schemeClr val="accent1"/>
-          </a:lnRef>
-          <a:fillRef idx="0">
-            <a:schemeClr val="accent1"/>
-          </a:fillRef>
-          <a:effectRef idx="0">
-            <a:schemeClr val="accent1"/>
-          </a:effectRef>
-          <a:fontRef idx="minor">
-            <a:schemeClr val="tx1"/>
-          </a:fontRef>
-        </p:style>
-      </p:cxnSp>
-      <p:cxnSp>
-        <p:nvCxnSpPr>
-          <p:cNvPr id="18" name="肘形连接符 17"/>
-          <p:cNvCxnSpPr>
-            <a:stCxn id="7" idx="3"/>
-            <a:endCxn id="12" idx="1"/>
-          </p:cNvCxnSpPr>
-          <p:nvPr/>
-        </p:nvCxnSpPr>
-        <p:spPr>
-          <a:xfrm flipV="1">
-            <a:off x="2264304" y="1907325"/>
-            <a:ext cx="672795" cy="565034"/>
-          </a:xfrm>
-          <a:prstGeom prst="bentConnector3">
-            <a:avLst/>
-          </a:prstGeom>
-          <a:ln>
-            <a:tailEnd type="triangle"/>
-          </a:ln>
-        </p:spPr>
-        <p:style>
-          <a:lnRef idx="1">
-            <a:schemeClr val="accent1"/>
-          </a:lnRef>
-          <a:fillRef idx="0">
-            <a:schemeClr val="accent1"/>
-          </a:fillRef>
-          <a:effectRef idx="0">
-            <a:schemeClr val="accent1"/>
-          </a:effectRef>
-          <a:fontRef idx="minor">
-            <a:schemeClr val="tx1"/>
-          </a:fontRef>
-        </p:style>
-      </p:cxnSp>
-      <p:cxnSp>
-        <p:nvCxnSpPr>
-          <p:cNvPr id="20" name="肘形连接符 19"/>
-          <p:cNvCxnSpPr>
-            <a:stCxn id="8" idx="3"/>
-            <a:endCxn id="12" idx="1"/>
-          </p:cNvCxnSpPr>
-          <p:nvPr/>
-        </p:nvCxnSpPr>
-        <p:spPr>
-          <a:xfrm flipV="1">
-            <a:off x="2264304" y="1907325"/>
-            <a:ext cx="672795" cy="1103829"/>
-          </a:xfrm>
-          <a:prstGeom prst="bentConnector3">
-            <a:avLst/>
-          </a:prstGeom>
-          <a:ln>
-            <a:tailEnd type="triangle"/>
-          </a:ln>
-        </p:spPr>
-        <p:style>
-          <a:lnRef idx="1">
-            <a:schemeClr val="accent1"/>
-          </a:lnRef>
-          <a:fillRef idx="0">
-            <a:schemeClr val="accent1"/>
-          </a:fillRef>
-          <a:effectRef idx="0">
-            <a:schemeClr val="accent1"/>
-          </a:effectRef>
-          <a:fontRef idx="minor">
-            <a:schemeClr val="tx1"/>
-          </a:fontRef>
-        </p:style>
-      </p:cxnSp>
-      <p:cxnSp>
-        <p:nvCxnSpPr>
-          <p:cNvPr id="22" name="肘形连接符 21"/>
-          <p:cNvCxnSpPr>
-            <a:stCxn id="9" idx="3"/>
-            <a:endCxn id="12" idx="1"/>
-          </p:cNvCxnSpPr>
-          <p:nvPr/>
-        </p:nvCxnSpPr>
-        <p:spPr>
-          <a:xfrm flipV="1">
-            <a:off x="2264304" y="1907325"/>
-            <a:ext cx="672795" cy="1642624"/>
-          </a:xfrm>
-          <a:prstGeom prst="bentConnector3">
-            <a:avLst/>
-          </a:prstGeom>
-          <a:ln>
-            <a:tailEnd type="triangle"/>
-          </a:ln>
-        </p:spPr>
-        <p:style>
-          <a:lnRef idx="1">
-            <a:schemeClr val="accent1"/>
-          </a:lnRef>
-          <a:fillRef idx="0">
-            <a:schemeClr val="accent1"/>
-          </a:fillRef>
-          <a:effectRef idx="0">
-            <a:schemeClr val="accent1"/>
-          </a:effectRef>
-          <a:fontRef idx="minor">
-            <a:schemeClr val="tx1"/>
-          </a:fontRef>
-        </p:style>
-      </p:cxnSp>
-      <p:cxnSp>
-        <p:nvCxnSpPr>
-          <p:cNvPr id="24" name="肘形连接符 23"/>
-          <p:cNvCxnSpPr>
-            <a:stCxn id="10" idx="3"/>
-            <a:endCxn id="12" idx="1"/>
-          </p:cNvCxnSpPr>
-          <p:nvPr/>
-        </p:nvCxnSpPr>
-        <p:spPr>
-          <a:xfrm flipV="1">
-            <a:off x="2264304" y="1907325"/>
-            <a:ext cx="672795" cy="2181419"/>
-          </a:xfrm>
-          <a:prstGeom prst="bentConnector3">
-            <a:avLst/>
-          </a:prstGeom>
-          <a:ln>
-            <a:tailEnd type="triangle"/>
-          </a:ln>
-        </p:spPr>
-        <p:style>
-          <a:lnRef idx="1">
-            <a:schemeClr val="accent1"/>
-          </a:lnRef>
-          <a:fillRef idx="0">
-            <a:schemeClr val="accent1"/>
-          </a:fillRef>
-          <a:effectRef idx="0">
-            <a:schemeClr val="accent1"/>
-          </a:effectRef>
-          <a:fontRef idx="minor">
-            <a:schemeClr val="tx1"/>
-          </a:fontRef>
-        </p:style>
-      </p:cxnSp>
-      <p:cxnSp>
-        <p:nvCxnSpPr>
-          <p:cNvPr id="26" name="肘形连接符 25"/>
-          <p:cNvCxnSpPr>
-            <a:stCxn id="11" idx="3"/>
-            <a:endCxn id="12" idx="1"/>
-          </p:cNvCxnSpPr>
-          <p:nvPr/>
-        </p:nvCxnSpPr>
-        <p:spPr>
-          <a:xfrm flipV="1">
-            <a:off x="2264304" y="1907325"/>
-            <a:ext cx="672795" cy="2728726"/>
-          </a:xfrm>
-          <a:prstGeom prst="bentConnector3">
-            <a:avLst/>
-          </a:prstGeom>
-          <a:ln>
-            <a:tailEnd type="triangle"/>
-          </a:ln>
-        </p:spPr>
-        <p:style>
-          <a:lnRef idx="1">
-            <a:schemeClr val="accent1"/>
-          </a:lnRef>
-          <a:fillRef idx="0">
-            <a:schemeClr val="accent1"/>
-          </a:fillRef>
-          <a:effectRef idx="0">
-            <a:schemeClr val="accent1"/>
-          </a:effectRef>
-          <a:fontRef idx="minor">
-            <a:schemeClr val="tx1"/>
-          </a:fontRef>
-        </p:style>
-      </p:cxnSp>
-      <p:sp>
-        <p:nvSpPr>
-          <p:cNvPr id="34" name="文本框 33"/>
-          <p:cNvSpPr txBox="1"/>
-          <p:nvPr/>
-        </p:nvSpPr>
-        <p:spPr>
-          <a:xfrm>
-            <a:off x="2569493" y="1439913"/>
-            <a:ext cx="902811" cy="307777"/>
-          </a:xfrm>
-          <a:prstGeom prst="rect">
-            <a:avLst/>
-          </a:prstGeom>
-          <a:noFill/>
-        </p:spPr>
-        <p:txBody>
-          <a:bodyPr wrap="none" rtlCol="0">
-            <a:spAutoFit/>
-          </a:bodyPr>
-          <a:lstStyle/>
-          <a:p>
-            <a:r>
-              <a:rPr lang="zh-CN" altLang="en-US" sz="1400" dirty="0" smtClean="0">
-                <a:latin typeface="微软雅黑" panose="020B0503020204020204" pitchFamily="34" charset="-122"/>
-                <a:ea typeface="微软雅黑" panose="020B0503020204020204" pitchFamily="34" charset="-122"/>
-              </a:rPr>
-              <a:t>在线支付</a:t>
-            </a:r>
-            <a:endParaRPr lang="zh-CN" altLang="en-US" sz="1400" dirty="0">
-              <a:latin typeface="微软雅黑" panose="020B0503020204020204" pitchFamily="34" charset="-122"/>
-              <a:ea typeface="微软雅黑" panose="020B0503020204020204" pitchFamily="34" charset="-122"/>
-            </a:endParaRPr>
-          </a:p>
-        </p:txBody>
-      </p:sp>
-      <p:sp>
-        <p:nvSpPr>
-          <p:cNvPr id="44" name="矩形 43"/>
-          <p:cNvSpPr/>
-          <p:nvPr/>
-        </p:nvSpPr>
-        <p:spPr>
-          <a:xfrm>
-            <a:off x="4394288" y="4014723"/>
-            <a:ext cx="1152000" cy="360000"/>
-          </a:xfrm>
-          <a:prstGeom prst="rect">
-            <a:avLst/>
-          </a:prstGeom>
-          <a:solidFill>
-            <a:schemeClr val="accent3">
-              <a:lumMod val="50000"/>
-            </a:schemeClr>
-          </a:solidFill>
-          <a:ln>
-            <a:noFill/>
-          </a:ln>
-        </p:spPr>
-        <p:style>
-          <a:lnRef idx="2">
-            <a:schemeClr val="accent1">
-              <a:shade val="50000"/>
-            </a:schemeClr>
-          </a:lnRef>
-          <a:fillRef idx="1">
-            <a:schemeClr val="accent1"/>
-          </a:fillRef>
-          <a:effectRef idx="0">
-            <a:schemeClr val="accent1"/>
-          </a:effectRef>
-          <a:fontRef idx="minor">
-            <a:schemeClr val="lt1"/>
-          </a:fontRef>
-        </p:style>
-        <p:txBody>
-          <a:bodyPr rtlCol="0" anchor="ctr" anchorCtr="0"/>
-          <a:lstStyle/>
-          <a:p>
-            <a:pPr algn="ctr"/>
-            <a:r>
-              <a:rPr lang="zh-CN" altLang="en-US" sz="1200" dirty="0" smtClean="0">
-                <a:latin typeface="微软雅黑" panose="020B0503020204020204" pitchFamily="34" charset="-122"/>
-                <a:ea typeface="微软雅黑" panose="020B0503020204020204" pitchFamily="34" charset="-122"/>
-              </a:rPr>
-              <a:t>使用新银行卡</a:t>
-            </a:r>
-            <a:endParaRPr lang="zh-CN" altLang="en-US" sz="1200" dirty="0">
-              <a:latin typeface="微软雅黑" panose="020B0503020204020204" pitchFamily="34" charset="-122"/>
-              <a:ea typeface="微软雅黑" panose="020B0503020204020204" pitchFamily="34" charset="-122"/>
-            </a:endParaRPr>
-          </a:p>
-        </p:txBody>
-      </p:sp>
-      <p:sp>
-        <p:nvSpPr>
-          <p:cNvPr id="59" name="矩形 58"/>
-          <p:cNvSpPr/>
-          <p:nvPr/>
-        </p:nvSpPr>
-        <p:spPr>
-          <a:xfrm>
-            <a:off x="4394288" y="1400143"/>
-            <a:ext cx="1152000" cy="360000"/>
-          </a:xfrm>
-          <a:prstGeom prst="rect">
-            <a:avLst/>
-          </a:prstGeom>
-          <a:solidFill>
-            <a:schemeClr val="accent3">
-              <a:lumMod val="50000"/>
-            </a:schemeClr>
-          </a:solidFill>
-          <a:ln>
-            <a:noFill/>
-          </a:ln>
-        </p:spPr>
-        <p:style>
-          <a:lnRef idx="2">
-            <a:schemeClr val="accent1">
-              <a:shade val="50000"/>
-            </a:schemeClr>
-          </a:lnRef>
-          <a:fillRef idx="1">
-            <a:schemeClr val="accent1"/>
-          </a:fillRef>
-          <a:effectRef idx="0">
-            <a:schemeClr val="accent1"/>
-          </a:effectRef>
-          <a:fontRef idx="minor">
-            <a:schemeClr val="lt1"/>
-          </a:fontRef>
-        </p:style>
-        <p:txBody>
-          <a:bodyPr rtlCol="0" anchor="ctr" anchorCtr="0"/>
-          <a:lstStyle/>
-          <a:p>
-            <a:pPr algn="ctr"/>
-            <a:r>
-              <a:rPr lang="zh-CN" altLang="en-US" sz="1200" dirty="0" smtClean="0">
-                <a:latin typeface="微软雅黑" panose="020B0503020204020204" pitchFamily="34" charset="-122"/>
-                <a:ea typeface="微软雅黑" panose="020B0503020204020204" pitchFamily="34" charset="-122"/>
-              </a:rPr>
-              <a:t>银行卡支付</a:t>
-            </a:r>
-            <a:endParaRPr lang="zh-CN" altLang="en-US" sz="1200" dirty="0">
-              <a:latin typeface="微软雅黑" panose="020B0503020204020204" pitchFamily="34" charset="-122"/>
-              <a:ea typeface="微软雅黑" panose="020B0503020204020204" pitchFamily="34" charset="-122"/>
-            </a:endParaRPr>
-          </a:p>
-        </p:txBody>
-      </p:sp>
-      <p:sp>
-        <p:nvSpPr>
-          <p:cNvPr id="60" name="矩形 59"/>
-          <p:cNvSpPr/>
-          <p:nvPr/>
-        </p:nvSpPr>
-        <p:spPr>
-          <a:xfrm>
-            <a:off x="4394288" y="1853585"/>
-            <a:ext cx="1152000" cy="360000"/>
-          </a:xfrm>
-          <a:prstGeom prst="rect">
-            <a:avLst/>
-          </a:prstGeom>
-          <a:solidFill>
-            <a:schemeClr val="accent3">
-              <a:lumMod val="50000"/>
-            </a:schemeClr>
-          </a:solidFill>
-          <a:ln>
-            <a:noFill/>
-          </a:ln>
-        </p:spPr>
-        <p:style>
-          <a:lnRef idx="2">
-            <a:schemeClr val="accent1">
-              <a:shade val="50000"/>
-            </a:schemeClr>
-          </a:lnRef>
-          <a:fillRef idx="1">
-            <a:schemeClr val="accent1"/>
-          </a:fillRef>
-          <a:effectRef idx="0">
-            <a:schemeClr val="accent1"/>
-          </a:effectRef>
-          <a:fontRef idx="minor">
-            <a:schemeClr val="lt1"/>
-          </a:fontRef>
-        </p:style>
-        <p:txBody>
-          <a:bodyPr rtlCol="0" anchor="ctr" anchorCtr="0"/>
-          <a:lstStyle/>
-          <a:p>
-            <a:pPr algn="ctr"/>
-            <a:r>
-              <a:rPr lang="zh-CN" altLang="en-US" sz="1200" dirty="0">
-                <a:latin typeface="微软雅黑" panose="020B0503020204020204" pitchFamily="34" charset="-122"/>
-                <a:ea typeface="微软雅黑" panose="020B0503020204020204" pitchFamily="34" charset="-122"/>
-              </a:rPr>
-              <a:t>微</a:t>
-            </a:r>
-            <a:r>
-              <a:rPr lang="zh-CN" altLang="en-US" sz="1200" dirty="0" smtClean="0">
-                <a:latin typeface="微软雅黑" panose="020B0503020204020204" pitchFamily="34" charset="-122"/>
-                <a:ea typeface="微软雅黑" panose="020B0503020204020204" pitchFamily="34" charset="-122"/>
-              </a:rPr>
-              <a:t>信支付</a:t>
-            </a:r>
-            <a:endParaRPr lang="zh-CN" altLang="en-US" sz="1200" dirty="0">
-              <a:latin typeface="微软雅黑" panose="020B0503020204020204" pitchFamily="34" charset="-122"/>
-              <a:ea typeface="微软雅黑" panose="020B0503020204020204" pitchFamily="34" charset="-122"/>
-            </a:endParaRPr>
-          </a:p>
-        </p:txBody>
-      </p:sp>
-      <p:sp>
-        <p:nvSpPr>
-          <p:cNvPr id="61" name="矩形 60"/>
-          <p:cNvSpPr/>
-          <p:nvPr/>
-        </p:nvSpPr>
-        <p:spPr>
-          <a:xfrm>
-            <a:off x="4394288" y="2307027"/>
-            <a:ext cx="1152000" cy="360000"/>
-          </a:xfrm>
-          <a:prstGeom prst="rect">
-            <a:avLst/>
-          </a:prstGeom>
-          <a:solidFill>
-            <a:schemeClr val="accent3">
-              <a:lumMod val="50000"/>
-            </a:schemeClr>
-          </a:solidFill>
-          <a:ln>
-            <a:noFill/>
-          </a:ln>
-        </p:spPr>
-        <p:style>
-          <a:lnRef idx="2">
-            <a:schemeClr val="accent1">
-              <a:shade val="50000"/>
-            </a:schemeClr>
-          </a:lnRef>
-          <a:fillRef idx="1">
-            <a:schemeClr val="accent1"/>
-          </a:fillRef>
-          <a:effectRef idx="0">
-            <a:schemeClr val="accent1"/>
-          </a:effectRef>
-          <a:fontRef idx="minor">
-            <a:schemeClr val="lt1"/>
-          </a:fontRef>
-        </p:style>
-        <p:txBody>
-          <a:bodyPr rtlCol="0" anchor="ctr" anchorCtr="0"/>
-          <a:lstStyle/>
-          <a:p>
-            <a:pPr algn="ctr"/>
-            <a:r>
-              <a:rPr lang="zh-CN" altLang="en-US" sz="1200" dirty="0">
-                <a:latin typeface="微软雅黑" panose="020B0503020204020204" pitchFamily="34" charset="-122"/>
-                <a:ea typeface="微软雅黑" panose="020B0503020204020204" pitchFamily="34" charset="-122"/>
-              </a:rPr>
-              <a:t>银</a:t>
-            </a:r>
-            <a:r>
-              <a:rPr lang="zh-CN" altLang="en-US" sz="1200" dirty="0" smtClean="0">
-                <a:latin typeface="微软雅黑" panose="020B0503020204020204" pitchFamily="34" charset="-122"/>
-                <a:ea typeface="微软雅黑" panose="020B0503020204020204" pitchFamily="34" charset="-122"/>
-              </a:rPr>
-              <a:t>联在线支付</a:t>
-            </a:r>
-            <a:endParaRPr lang="zh-CN" altLang="en-US" sz="1200" dirty="0">
-              <a:latin typeface="微软雅黑" panose="020B0503020204020204" pitchFamily="34" charset="-122"/>
-              <a:ea typeface="微软雅黑" panose="020B0503020204020204" pitchFamily="34" charset="-122"/>
-            </a:endParaRPr>
-          </a:p>
-        </p:txBody>
-      </p:sp>
-      <p:sp>
-        <p:nvSpPr>
-          <p:cNvPr id="62" name="矩形 61"/>
-          <p:cNvSpPr/>
-          <p:nvPr/>
-        </p:nvSpPr>
-        <p:spPr>
-          <a:xfrm>
-            <a:off x="4394288" y="2760469"/>
-            <a:ext cx="1152000" cy="360000"/>
-          </a:xfrm>
-          <a:prstGeom prst="rect">
-            <a:avLst/>
-          </a:prstGeom>
-          <a:solidFill>
-            <a:schemeClr val="accent3">
-              <a:lumMod val="50000"/>
-            </a:schemeClr>
-          </a:solidFill>
-          <a:ln>
-            <a:noFill/>
-          </a:ln>
-        </p:spPr>
-        <p:style>
-          <a:lnRef idx="2">
-            <a:schemeClr val="accent1">
-              <a:shade val="50000"/>
-            </a:schemeClr>
-          </a:lnRef>
-          <a:fillRef idx="1">
-            <a:schemeClr val="accent1"/>
-          </a:fillRef>
-          <a:effectRef idx="0">
-            <a:schemeClr val="accent1"/>
-          </a:effectRef>
-          <a:fontRef idx="minor">
-            <a:schemeClr val="lt1"/>
-          </a:fontRef>
-        </p:style>
-        <p:txBody>
-          <a:bodyPr rtlCol="0" anchor="ctr" anchorCtr="0"/>
-          <a:lstStyle/>
-          <a:p>
-            <a:pPr algn="ctr"/>
-            <a:r>
-              <a:rPr lang="zh-CN" altLang="en-US" sz="1200" dirty="0">
-                <a:latin typeface="微软雅黑" panose="020B0503020204020204" pitchFamily="34" charset="-122"/>
-                <a:ea typeface="微软雅黑" panose="020B0503020204020204" pitchFamily="34" charset="-122"/>
-              </a:rPr>
-              <a:t>钱包</a:t>
-            </a:r>
-            <a:r>
-              <a:rPr lang="zh-CN" altLang="en-US" sz="1200" dirty="0" smtClean="0">
-                <a:latin typeface="微软雅黑" panose="020B0503020204020204" pitchFamily="34" charset="-122"/>
-                <a:ea typeface="微软雅黑" panose="020B0503020204020204" pitchFamily="34" charset="-122"/>
-              </a:rPr>
-              <a:t>支付</a:t>
-            </a:r>
-            <a:endParaRPr lang="zh-CN" altLang="en-US" sz="1200" dirty="0">
-              <a:latin typeface="微软雅黑" panose="020B0503020204020204" pitchFamily="34" charset="-122"/>
-              <a:ea typeface="微软雅黑" panose="020B0503020204020204" pitchFamily="34" charset="-122"/>
-            </a:endParaRPr>
-          </a:p>
-        </p:txBody>
-      </p:sp>
-      <p:sp>
-        <p:nvSpPr>
-          <p:cNvPr id="63" name="矩形 62"/>
-          <p:cNvSpPr/>
-          <p:nvPr/>
-        </p:nvSpPr>
-        <p:spPr>
-          <a:xfrm>
-            <a:off x="4394288" y="4537641"/>
-            <a:ext cx="1152000" cy="360000"/>
-          </a:xfrm>
-          <a:prstGeom prst="rect">
-            <a:avLst/>
-          </a:prstGeom>
-          <a:solidFill>
-            <a:schemeClr val="accent3">
-              <a:lumMod val="50000"/>
-            </a:schemeClr>
-          </a:solidFill>
-          <a:ln>
-            <a:noFill/>
-          </a:ln>
-        </p:spPr>
-        <p:style>
-          <a:lnRef idx="2">
-            <a:schemeClr val="accent1">
-              <a:shade val="50000"/>
-            </a:schemeClr>
-          </a:lnRef>
-          <a:fillRef idx="1">
-            <a:schemeClr val="accent1"/>
-          </a:fillRef>
-          <a:effectRef idx="0">
-            <a:schemeClr val="accent1"/>
-          </a:effectRef>
-          <a:fontRef idx="minor">
-            <a:schemeClr val="lt1"/>
-          </a:fontRef>
-        </p:style>
-        <p:txBody>
-          <a:bodyPr rtlCol="0" anchor="ctr" anchorCtr="0"/>
-          <a:lstStyle/>
-          <a:p>
-            <a:pPr algn="ctr"/>
-            <a:r>
-              <a:rPr lang="zh-CN" altLang="en-US" sz="1200" dirty="0" smtClean="0">
-                <a:latin typeface="微软雅黑" panose="020B0503020204020204" pitchFamily="34" charset="-122"/>
-                <a:ea typeface="微软雅黑" panose="020B0503020204020204" pitchFamily="34" charset="-122"/>
-              </a:rPr>
-              <a:t>忘记密码</a:t>
-            </a:r>
-            <a:endParaRPr lang="zh-CN" altLang="en-US" sz="1200" dirty="0">
-              <a:latin typeface="微软雅黑" panose="020B0503020204020204" pitchFamily="34" charset="-122"/>
-              <a:ea typeface="微软雅黑" panose="020B0503020204020204" pitchFamily="34" charset="-122"/>
-            </a:endParaRPr>
-          </a:p>
-        </p:txBody>
-      </p:sp>
-      <p:sp>
-        <p:nvSpPr>
-          <p:cNvPr id="64" name="矩形 63"/>
-          <p:cNvSpPr/>
-          <p:nvPr/>
-        </p:nvSpPr>
-        <p:spPr>
-          <a:xfrm>
-            <a:off x="4394288" y="3213911"/>
-            <a:ext cx="1152000" cy="360000"/>
-          </a:xfrm>
-          <a:prstGeom prst="rect">
-            <a:avLst/>
-          </a:prstGeom>
-          <a:solidFill>
-            <a:schemeClr val="accent3">
-              <a:lumMod val="50000"/>
-            </a:schemeClr>
-          </a:solidFill>
-          <a:ln>
-            <a:noFill/>
-          </a:ln>
-        </p:spPr>
-        <p:style>
-          <a:lnRef idx="2">
-            <a:schemeClr val="accent1">
-              <a:shade val="50000"/>
-            </a:schemeClr>
-          </a:lnRef>
-          <a:fillRef idx="1">
-            <a:schemeClr val="accent1"/>
-          </a:fillRef>
-          <a:effectRef idx="0">
-            <a:schemeClr val="accent1"/>
-          </a:effectRef>
-          <a:fontRef idx="minor">
-            <a:schemeClr val="lt1"/>
-          </a:fontRef>
-        </p:style>
-        <p:txBody>
-          <a:bodyPr rtlCol="0" anchor="ctr" anchorCtr="0"/>
-          <a:lstStyle/>
-          <a:p>
-            <a:pPr algn="ctr"/>
-            <a:r>
-              <a:rPr lang="zh-CN" altLang="en-US" sz="1200" dirty="0">
-                <a:latin typeface="微软雅黑" panose="020B0503020204020204" pitchFamily="34" charset="-122"/>
-                <a:ea typeface="微软雅黑" panose="020B0503020204020204" pitchFamily="34" charset="-122"/>
-              </a:rPr>
-              <a:t>二维码</a:t>
-            </a:r>
-            <a:r>
-              <a:rPr lang="zh-CN" altLang="en-US" sz="1200" dirty="0" smtClean="0">
-                <a:latin typeface="微软雅黑" panose="020B0503020204020204" pitchFamily="34" charset="-122"/>
-                <a:ea typeface="微软雅黑" panose="020B0503020204020204" pitchFamily="34" charset="-122"/>
-              </a:rPr>
-              <a:t>支付</a:t>
-            </a:r>
-            <a:endParaRPr lang="zh-CN" altLang="en-US" sz="1200" dirty="0">
-              <a:latin typeface="微软雅黑" panose="020B0503020204020204" pitchFamily="34" charset="-122"/>
-              <a:ea typeface="微软雅黑" panose="020B0503020204020204" pitchFamily="34" charset="-122"/>
-            </a:endParaRPr>
-          </a:p>
-        </p:txBody>
-      </p:sp>
-      <p:cxnSp>
-        <p:nvCxnSpPr>
-          <p:cNvPr id="80" name="肘形连接符 79"/>
-          <p:cNvCxnSpPr>
-            <a:stCxn id="12" idx="3"/>
-            <a:endCxn id="59" idx="1"/>
-          </p:cNvCxnSpPr>
-          <p:nvPr/>
-        </p:nvCxnSpPr>
-        <p:spPr>
-          <a:xfrm flipV="1">
-            <a:off x="4089099" y="1580143"/>
-            <a:ext cx="305189" cy="327182"/>
-          </a:xfrm>
-          <a:prstGeom prst="bentConnector3">
-            <a:avLst/>
-          </a:prstGeom>
-          <a:ln>
-            <a:tailEnd type="triangle"/>
-          </a:ln>
-        </p:spPr>
-        <p:style>
-          <a:lnRef idx="1">
-            <a:schemeClr val="accent1"/>
-          </a:lnRef>
-          <a:fillRef idx="0">
-            <a:schemeClr val="accent1"/>
-          </a:fillRef>
-          <a:effectRef idx="0">
-            <a:schemeClr val="accent1"/>
-          </a:effectRef>
-          <a:fontRef idx="minor">
-            <a:schemeClr val="tx1"/>
-          </a:fontRef>
-        </p:style>
-      </p:cxnSp>
-      <p:cxnSp>
-        <p:nvCxnSpPr>
-          <p:cNvPr id="82" name="肘形连接符 81"/>
-          <p:cNvCxnSpPr>
-            <a:stCxn id="12" idx="3"/>
-            <a:endCxn id="60" idx="1"/>
-          </p:cNvCxnSpPr>
-          <p:nvPr/>
-        </p:nvCxnSpPr>
-        <p:spPr>
-          <a:xfrm>
-            <a:off x="4089099" y="1907325"/>
-            <a:ext cx="305189" cy="126260"/>
-          </a:xfrm>
-          <a:prstGeom prst="bentConnector3">
-            <a:avLst/>
-          </a:prstGeom>
-          <a:ln>
-            <a:tailEnd type="triangle"/>
-          </a:ln>
-        </p:spPr>
-        <p:style>
-          <a:lnRef idx="1">
-            <a:schemeClr val="accent1"/>
-          </a:lnRef>
-          <a:fillRef idx="0">
-            <a:schemeClr val="accent1"/>
-          </a:fillRef>
-          <a:effectRef idx="0">
-            <a:schemeClr val="accent1"/>
-          </a:effectRef>
-          <a:fontRef idx="minor">
-            <a:schemeClr val="tx1"/>
-          </a:fontRef>
-        </p:style>
-      </p:cxnSp>
-      <p:cxnSp>
-        <p:nvCxnSpPr>
-          <p:cNvPr id="84" name="肘形连接符 83"/>
-          <p:cNvCxnSpPr>
-            <a:stCxn id="12" idx="3"/>
-            <a:endCxn id="61" idx="1"/>
-          </p:cNvCxnSpPr>
-          <p:nvPr/>
-        </p:nvCxnSpPr>
-        <p:spPr>
-          <a:xfrm>
-            <a:off x="4089099" y="1907325"/>
-            <a:ext cx="305189" cy="579702"/>
-          </a:xfrm>
-          <a:prstGeom prst="bentConnector3">
-            <a:avLst/>
-          </a:prstGeom>
-          <a:ln>
-            <a:tailEnd type="triangle"/>
-          </a:ln>
-        </p:spPr>
-        <p:style>
-          <a:lnRef idx="1">
-            <a:schemeClr val="accent1"/>
-          </a:lnRef>
-          <a:fillRef idx="0">
-            <a:schemeClr val="accent1"/>
-          </a:fillRef>
-          <a:effectRef idx="0">
-            <a:schemeClr val="accent1"/>
-          </a:effectRef>
-          <a:fontRef idx="minor">
-            <a:schemeClr val="tx1"/>
-          </a:fontRef>
-        </p:style>
-      </p:cxnSp>
-      <p:cxnSp>
-        <p:nvCxnSpPr>
-          <p:cNvPr id="86" name="肘形连接符 85"/>
-          <p:cNvCxnSpPr>
-            <a:stCxn id="12" idx="3"/>
-            <a:endCxn id="62" idx="1"/>
-          </p:cNvCxnSpPr>
-          <p:nvPr/>
-        </p:nvCxnSpPr>
-        <p:spPr>
-          <a:xfrm>
-            <a:off x="4089099" y="1907325"/>
-            <a:ext cx="305189" cy="1033144"/>
-          </a:xfrm>
-          <a:prstGeom prst="bentConnector3">
-            <a:avLst/>
-          </a:prstGeom>
-          <a:ln>
-            <a:tailEnd type="triangle"/>
-          </a:ln>
-        </p:spPr>
-        <p:style>
-          <a:lnRef idx="1">
-            <a:schemeClr val="accent1"/>
-          </a:lnRef>
-          <a:fillRef idx="0">
-            <a:schemeClr val="accent1"/>
-          </a:fillRef>
-          <a:effectRef idx="0">
-            <a:schemeClr val="accent1"/>
-          </a:effectRef>
-          <a:fontRef idx="minor">
-            <a:schemeClr val="tx1"/>
-          </a:fontRef>
-        </p:style>
-      </p:cxnSp>
-      <p:cxnSp>
-        <p:nvCxnSpPr>
-          <p:cNvPr id="88" name="肘形连接符 87"/>
-          <p:cNvCxnSpPr>
-            <a:stCxn id="12" idx="3"/>
-            <a:endCxn id="64" idx="1"/>
-          </p:cNvCxnSpPr>
-          <p:nvPr/>
-        </p:nvCxnSpPr>
-        <p:spPr>
-          <a:xfrm>
-            <a:off x="4089099" y="1907325"/>
-            <a:ext cx="305189" cy="1486586"/>
-          </a:xfrm>
-          <a:prstGeom prst="bentConnector3">
-            <a:avLst/>
-          </a:prstGeom>
-          <a:ln>
-            <a:tailEnd type="triangle"/>
-          </a:ln>
-        </p:spPr>
-        <p:style>
-          <a:lnRef idx="1">
-            <a:schemeClr val="accent1"/>
-          </a:lnRef>
-          <a:fillRef idx="0">
-            <a:schemeClr val="accent1"/>
-          </a:fillRef>
-          <a:effectRef idx="0">
-            <a:schemeClr val="accent1"/>
-          </a:effectRef>
-          <a:fontRef idx="minor">
-            <a:schemeClr val="tx1"/>
-          </a:fontRef>
-        </p:style>
-      </p:cxnSp>
-      <p:cxnSp>
-        <p:nvCxnSpPr>
-          <p:cNvPr id="90" name="肘形连接符 89"/>
-          <p:cNvCxnSpPr>
-            <a:stCxn id="12" idx="3"/>
-            <a:endCxn id="44" idx="1"/>
-          </p:cNvCxnSpPr>
-          <p:nvPr/>
-        </p:nvCxnSpPr>
-        <p:spPr>
-          <a:xfrm>
-            <a:off x="4089099" y="1907325"/>
-            <a:ext cx="305189" cy="2287398"/>
-          </a:xfrm>
-          <a:prstGeom prst="bentConnector3">
-            <a:avLst/>
-          </a:prstGeom>
-          <a:ln>
-            <a:tailEnd type="triangle"/>
-          </a:ln>
-        </p:spPr>
-        <p:style>
-          <a:lnRef idx="1">
-            <a:schemeClr val="accent1"/>
-          </a:lnRef>
-          <a:fillRef idx="0">
-            <a:schemeClr val="accent1"/>
-          </a:fillRef>
-          <a:effectRef idx="0">
-            <a:schemeClr val="accent1"/>
-          </a:effectRef>
-          <a:fontRef idx="minor">
-            <a:schemeClr val="tx1"/>
-          </a:fontRef>
-        </p:style>
-      </p:cxnSp>
-      <p:cxnSp>
-        <p:nvCxnSpPr>
-          <p:cNvPr id="92" name="肘形连接符 91"/>
-          <p:cNvCxnSpPr>
-            <a:stCxn id="12" idx="3"/>
-            <a:endCxn id="63" idx="1"/>
-          </p:cNvCxnSpPr>
-          <p:nvPr/>
-        </p:nvCxnSpPr>
-        <p:spPr>
-          <a:xfrm>
-            <a:off x="4089099" y="1907325"/>
-            <a:ext cx="305189" cy="2810316"/>
-          </a:xfrm>
-          <a:prstGeom prst="bentConnector3">
-            <a:avLst/>
-          </a:prstGeom>
-          <a:ln>
-            <a:tailEnd type="triangle"/>
-          </a:ln>
-        </p:spPr>
-        <p:style>
-          <a:lnRef idx="1">
-            <a:schemeClr val="accent1"/>
-          </a:lnRef>
-          <a:fillRef idx="0">
-            <a:schemeClr val="accent1"/>
-          </a:fillRef>
-          <a:effectRef idx="0">
-            <a:schemeClr val="accent1"/>
-          </a:effectRef>
-          <a:fontRef idx="minor">
-            <a:schemeClr val="tx1"/>
-          </a:fontRef>
-        </p:style>
-      </p:cxnSp>
-      <p:sp>
-        <p:nvSpPr>
-          <p:cNvPr id="116" name="矩形 115"/>
-          <p:cNvSpPr/>
-          <p:nvPr/>
-        </p:nvSpPr>
-        <p:spPr>
-          <a:xfrm>
-            <a:off x="8260418" y="1502634"/>
-            <a:ext cx="1714463" cy="360000"/>
-          </a:xfrm>
-          <a:prstGeom prst="rect">
-            <a:avLst/>
-          </a:prstGeom>
-          <a:solidFill>
-            <a:schemeClr val="accent3">
-              <a:lumMod val="50000"/>
-            </a:schemeClr>
-          </a:solidFill>
-          <a:ln>
-            <a:noFill/>
-          </a:ln>
-        </p:spPr>
-        <p:style>
-          <a:lnRef idx="2">
-            <a:schemeClr val="accent1">
-              <a:shade val="50000"/>
-            </a:schemeClr>
-          </a:lnRef>
-          <a:fillRef idx="1">
-            <a:schemeClr val="accent1"/>
-          </a:fillRef>
-          <a:effectRef idx="0">
-            <a:schemeClr val="accent1"/>
-          </a:effectRef>
-          <a:fontRef idx="minor">
-            <a:schemeClr val="lt1"/>
-          </a:fontRef>
-        </p:style>
-        <p:txBody>
-          <a:bodyPr rtlCol="0" anchor="ctr" anchorCtr="0"/>
-          <a:lstStyle/>
-          <a:p>
-            <a:pPr algn="ctr"/>
-            <a:r>
-              <a:rPr lang="zh-CN" altLang="en-US" sz="1200" dirty="0" smtClean="0">
-                <a:latin typeface="微软雅黑" panose="020B0503020204020204" pitchFamily="34" charset="-122"/>
-                <a:ea typeface="微软雅黑" panose="020B0503020204020204" pitchFamily="34" charset="-122"/>
-              </a:rPr>
-              <a:t>通知商户支付成功</a:t>
-            </a:r>
-            <a:endParaRPr lang="zh-CN" altLang="en-US" sz="1200" dirty="0">
-              <a:latin typeface="微软雅黑" panose="020B0503020204020204" pitchFamily="34" charset="-122"/>
-              <a:ea typeface="微软雅黑" panose="020B0503020204020204" pitchFamily="34" charset="-122"/>
-            </a:endParaRPr>
-          </a:p>
-        </p:txBody>
-      </p:sp>
-      <p:sp>
-        <p:nvSpPr>
-          <p:cNvPr id="119" name="矩形 118"/>
-          <p:cNvSpPr/>
-          <p:nvPr/>
-        </p:nvSpPr>
-        <p:spPr>
-          <a:xfrm>
-            <a:off x="8260417" y="2162201"/>
-            <a:ext cx="1714463" cy="360000"/>
-          </a:xfrm>
-          <a:prstGeom prst="rect">
-            <a:avLst/>
-          </a:prstGeom>
-          <a:solidFill>
-            <a:schemeClr val="accent3">
-              <a:lumMod val="50000"/>
-            </a:schemeClr>
-          </a:solidFill>
-          <a:ln>
-            <a:noFill/>
-          </a:ln>
-        </p:spPr>
-        <p:style>
-          <a:lnRef idx="2">
-            <a:schemeClr val="accent1">
-              <a:shade val="50000"/>
-            </a:schemeClr>
-          </a:lnRef>
-          <a:fillRef idx="1">
-            <a:schemeClr val="accent1"/>
-          </a:fillRef>
-          <a:effectRef idx="0">
-            <a:schemeClr val="accent1"/>
-          </a:effectRef>
-          <a:fontRef idx="minor">
-            <a:schemeClr val="lt1"/>
-          </a:fontRef>
-        </p:style>
-        <p:txBody>
-          <a:bodyPr rtlCol="0" anchor="ctr" anchorCtr="0"/>
-          <a:lstStyle/>
-          <a:p>
-            <a:pPr algn="ctr"/>
-            <a:r>
-              <a:rPr lang="zh-CN" altLang="en-US" sz="1200" dirty="0" smtClean="0">
-                <a:latin typeface="微软雅黑" panose="020B0503020204020204" pitchFamily="34" charset="-122"/>
-                <a:ea typeface="微软雅黑" panose="020B0503020204020204" pitchFamily="34" charset="-122"/>
-              </a:rPr>
-              <a:t>通知商户支付失败</a:t>
-            </a:r>
-            <a:endParaRPr lang="zh-CN" altLang="en-US" sz="1200" dirty="0">
-              <a:latin typeface="微软雅黑" panose="020B0503020204020204" pitchFamily="34" charset="-122"/>
-              <a:ea typeface="微软雅黑" panose="020B0503020204020204" pitchFamily="34" charset="-122"/>
-            </a:endParaRPr>
-          </a:p>
-        </p:txBody>
-      </p:sp>
-      <p:sp>
-        <p:nvSpPr>
-          <p:cNvPr id="121" name="矩形 120"/>
-          <p:cNvSpPr/>
-          <p:nvPr/>
-        </p:nvSpPr>
-        <p:spPr>
-          <a:xfrm>
-            <a:off x="6262855" y="1493585"/>
-            <a:ext cx="1152000" cy="360000"/>
-          </a:xfrm>
-          <a:prstGeom prst="rect">
-            <a:avLst/>
-          </a:prstGeom>
-          <a:solidFill>
-            <a:schemeClr val="accent3">
-              <a:lumMod val="50000"/>
-            </a:schemeClr>
-          </a:solidFill>
-          <a:ln>
-            <a:noFill/>
-          </a:ln>
-        </p:spPr>
-        <p:style>
-          <a:lnRef idx="2">
-            <a:schemeClr val="accent1">
-              <a:shade val="50000"/>
-            </a:schemeClr>
-          </a:lnRef>
-          <a:fillRef idx="1">
-            <a:schemeClr val="accent1"/>
-          </a:fillRef>
-          <a:effectRef idx="0">
-            <a:schemeClr val="accent1"/>
-          </a:effectRef>
-          <a:fontRef idx="minor">
-            <a:schemeClr val="lt1"/>
-          </a:fontRef>
-        </p:style>
-        <p:txBody>
-          <a:bodyPr rtlCol="0" anchor="ctr" anchorCtr="0"/>
-          <a:lstStyle/>
-          <a:p>
-            <a:pPr algn="ctr"/>
-            <a:r>
-              <a:rPr lang="zh-CN" altLang="en-US" sz="1200" dirty="0" smtClean="0">
-                <a:latin typeface="微软雅黑" panose="020B0503020204020204" pitchFamily="34" charset="-122"/>
-                <a:ea typeface="微软雅黑" panose="020B0503020204020204" pitchFamily="34" charset="-122"/>
-              </a:rPr>
-              <a:t>执行支付</a:t>
-            </a:r>
-            <a:endParaRPr lang="zh-CN" altLang="en-US" sz="1200" dirty="0">
-              <a:latin typeface="微软雅黑" panose="020B0503020204020204" pitchFamily="34" charset="-122"/>
-              <a:ea typeface="微软雅黑" panose="020B0503020204020204" pitchFamily="34" charset="-122"/>
-            </a:endParaRPr>
-          </a:p>
-        </p:txBody>
-      </p:sp>
-      <p:cxnSp>
-        <p:nvCxnSpPr>
-          <p:cNvPr id="124" name="肘形连接符 123"/>
-          <p:cNvCxnSpPr>
-            <a:stCxn id="59" idx="3"/>
-            <a:endCxn id="121" idx="1"/>
-          </p:cNvCxnSpPr>
-          <p:nvPr/>
-        </p:nvCxnSpPr>
-        <p:spPr>
-          <a:xfrm>
-            <a:off x="5546288" y="1580143"/>
-            <a:ext cx="716567" cy="93442"/>
-          </a:xfrm>
-          <a:prstGeom prst="bentConnector3">
-            <a:avLst/>
-          </a:prstGeom>
-          <a:ln>
-            <a:tailEnd type="triangle"/>
-          </a:ln>
-        </p:spPr>
-        <p:style>
-          <a:lnRef idx="1">
-            <a:schemeClr val="accent1"/>
-          </a:lnRef>
-          <a:fillRef idx="0">
-            <a:schemeClr val="accent1"/>
-          </a:fillRef>
-          <a:effectRef idx="0">
-            <a:schemeClr val="accent1"/>
-          </a:effectRef>
-          <a:fontRef idx="minor">
-            <a:schemeClr val="tx1"/>
-          </a:fontRef>
-        </p:style>
-      </p:cxnSp>
-      <p:cxnSp>
-        <p:nvCxnSpPr>
-          <p:cNvPr id="126" name="肘形连接符 125"/>
-          <p:cNvCxnSpPr>
-            <a:stCxn id="60" idx="3"/>
-            <a:endCxn id="121" idx="1"/>
-          </p:cNvCxnSpPr>
-          <p:nvPr/>
-        </p:nvCxnSpPr>
-        <p:spPr>
-          <a:xfrm flipV="1">
-            <a:off x="5546288" y="1673585"/>
-            <a:ext cx="716567" cy="360000"/>
-          </a:xfrm>
-          <a:prstGeom prst="bentConnector3">
-            <a:avLst/>
-          </a:prstGeom>
-          <a:ln>
-            <a:tailEnd type="triangle"/>
-          </a:ln>
-        </p:spPr>
-        <p:style>
-          <a:lnRef idx="1">
-            <a:schemeClr val="accent1"/>
-          </a:lnRef>
-          <a:fillRef idx="0">
-            <a:schemeClr val="accent1"/>
-          </a:fillRef>
-          <a:effectRef idx="0">
-            <a:schemeClr val="accent1"/>
-          </a:effectRef>
-          <a:fontRef idx="minor">
-            <a:schemeClr val="tx1"/>
-          </a:fontRef>
-        </p:style>
-      </p:cxnSp>
-      <p:cxnSp>
-        <p:nvCxnSpPr>
-          <p:cNvPr id="128" name="肘形连接符 127"/>
-          <p:cNvCxnSpPr>
-            <a:stCxn id="61" idx="3"/>
-            <a:endCxn id="121" idx="1"/>
-          </p:cNvCxnSpPr>
-          <p:nvPr/>
-        </p:nvCxnSpPr>
-        <p:spPr>
-          <a:xfrm flipV="1">
-            <a:off x="5546288" y="1673585"/>
-            <a:ext cx="716567" cy="813442"/>
-          </a:xfrm>
-          <a:prstGeom prst="bentConnector3">
-            <a:avLst/>
-          </a:prstGeom>
-          <a:ln>
-            <a:tailEnd type="triangle"/>
-          </a:ln>
-        </p:spPr>
-        <p:style>
-          <a:lnRef idx="1">
-            <a:schemeClr val="accent1"/>
-          </a:lnRef>
-          <a:fillRef idx="0">
-            <a:schemeClr val="accent1"/>
-          </a:fillRef>
-          <a:effectRef idx="0">
-            <a:schemeClr val="accent1"/>
-          </a:effectRef>
-          <a:fontRef idx="minor">
-            <a:schemeClr val="tx1"/>
-          </a:fontRef>
-        </p:style>
-      </p:cxnSp>
-      <p:cxnSp>
-        <p:nvCxnSpPr>
-          <p:cNvPr id="130" name="肘形连接符 129"/>
-          <p:cNvCxnSpPr>
-            <a:stCxn id="62" idx="3"/>
-            <a:endCxn id="121" idx="1"/>
-          </p:cNvCxnSpPr>
-          <p:nvPr/>
-        </p:nvCxnSpPr>
-        <p:spPr>
-          <a:xfrm flipV="1">
-            <a:off x="5546288" y="1673585"/>
-            <a:ext cx="716567" cy="1266884"/>
-          </a:xfrm>
-          <a:prstGeom prst="bentConnector3">
-            <a:avLst/>
-          </a:prstGeom>
-          <a:ln>
-            <a:tailEnd type="triangle"/>
-          </a:ln>
-        </p:spPr>
-        <p:style>
-          <a:lnRef idx="1">
-            <a:schemeClr val="accent1"/>
-          </a:lnRef>
-          <a:fillRef idx="0">
-            <a:schemeClr val="accent1"/>
-          </a:fillRef>
-          <a:effectRef idx="0">
-            <a:schemeClr val="accent1"/>
-          </a:effectRef>
-          <a:fontRef idx="minor">
-            <a:schemeClr val="tx1"/>
-          </a:fontRef>
-        </p:style>
-      </p:cxnSp>
-      <p:cxnSp>
-        <p:nvCxnSpPr>
-          <p:cNvPr id="132" name="肘形连接符 131"/>
-          <p:cNvCxnSpPr>
-            <a:stCxn id="64" idx="3"/>
-            <a:endCxn id="121" idx="1"/>
-          </p:cNvCxnSpPr>
-          <p:nvPr/>
-        </p:nvCxnSpPr>
-        <p:spPr>
-          <a:xfrm flipV="1">
-            <a:off x="5546288" y="1673585"/>
-            <a:ext cx="716567" cy="1720326"/>
-          </a:xfrm>
-          <a:prstGeom prst="bentConnector3">
-            <a:avLst>
-              <a:gd name="adj1" fmla="val 50000"/>
-            </a:avLst>
-          </a:prstGeom>
-          <a:ln>
-            <a:tailEnd type="triangle"/>
-          </a:ln>
-        </p:spPr>
-        <p:style>
-          <a:lnRef idx="1">
-            <a:schemeClr val="accent1"/>
-          </a:lnRef>
-          <a:fillRef idx="0">
-            <a:schemeClr val="accent1"/>
-          </a:fillRef>
-          <a:effectRef idx="0">
-            <a:schemeClr val="accent1"/>
-          </a:effectRef>
-          <a:fontRef idx="minor">
-            <a:schemeClr val="tx1"/>
-          </a:fontRef>
-        </p:style>
-      </p:cxnSp>
-      <p:cxnSp>
-        <p:nvCxnSpPr>
-          <p:cNvPr id="142" name="直接箭头连接符 141"/>
-          <p:cNvCxnSpPr>
-            <a:stCxn id="121" idx="3"/>
-            <a:endCxn id="155" idx="1"/>
-          </p:cNvCxnSpPr>
-          <p:nvPr/>
-        </p:nvCxnSpPr>
-        <p:spPr>
-          <a:xfrm>
-            <a:off x="7414855" y="1673585"/>
-            <a:ext cx="197358" cy="1881"/>
-          </a:xfrm>
-          <a:prstGeom prst="straightConnector1">
-            <a:avLst/>
-          </a:prstGeom>
-          <a:ln>
-            <a:tailEnd type="triangle"/>
-          </a:ln>
-        </p:spPr>
-        <p:style>
-          <a:lnRef idx="1">
-            <a:schemeClr val="accent1"/>
-          </a:lnRef>
-          <a:fillRef idx="0">
-            <a:schemeClr val="accent1"/>
-          </a:fillRef>
-          <a:effectRef idx="0">
-            <a:schemeClr val="accent1"/>
-          </a:effectRef>
-          <a:fontRef idx="minor">
-            <a:schemeClr val="tx1"/>
-          </a:fontRef>
-        </p:style>
-      </p:cxnSp>
-      <p:sp>
-        <p:nvSpPr>
-          <p:cNvPr id="155" name="菱形 154"/>
-          <p:cNvSpPr/>
-          <p:nvPr/>
-        </p:nvSpPr>
-        <p:spPr>
-          <a:xfrm>
-            <a:off x="7612213" y="1492778"/>
-            <a:ext cx="355600" cy="365375"/>
-          </a:xfrm>
-          <a:prstGeom prst="diamond">
-            <a:avLst/>
-          </a:prstGeom>
-          <a:noFill/>
-          <a:ln>
-            <a:solidFill>
-              <a:schemeClr val="accent3">
-                <a:lumMod val="50000"/>
-              </a:schemeClr>
-            </a:solidFill>
-          </a:ln>
-        </p:spPr>
-        <p:style>
-          <a:lnRef idx="2">
-            <a:schemeClr val="accent1">
-              <a:shade val="50000"/>
-            </a:schemeClr>
-          </a:lnRef>
-          <a:fillRef idx="1">
-            <a:schemeClr val="accent1"/>
-          </a:fillRef>
-          <a:effectRef idx="0">
-            <a:schemeClr val="accent1"/>
-          </a:effectRef>
-          <a:fontRef idx="minor">
-            <a:schemeClr val="lt1"/>
-          </a:fontRef>
-        </p:style>
-        <p:txBody>
-          <a:bodyPr rtlCol="0" anchor="ctr"/>
-          <a:lstStyle/>
-          <a:p>
-            <a:pPr algn="ctr"/>
-            <a:endParaRPr lang="zh-CN" altLang="en-US"/>
-          </a:p>
-        </p:txBody>
-      </p:sp>
-      <p:cxnSp>
-        <p:nvCxnSpPr>
-          <p:cNvPr id="158" name="直接箭头连接符 157"/>
-          <p:cNvCxnSpPr>
-            <a:stCxn id="155" idx="3"/>
-            <a:endCxn id="116" idx="1"/>
-          </p:cNvCxnSpPr>
-          <p:nvPr/>
-        </p:nvCxnSpPr>
-        <p:spPr>
-          <a:xfrm>
-            <a:off x="7967813" y="1675466"/>
-            <a:ext cx="292605" cy="7168"/>
-          </a:xfrm>
-          <a:prstGeom prst="straightConnector1">
-            <a:avLst/>
-          </a:prstGeom>
-          <a:ln>
-            <a:tailEnd type="triangle"/>
-          </a:ln>
-        </p:spPr>
-        <p:style>
-          <a:lnRef idx="1">
-            <a:schemeClr val="accent1"/>
-          </a:lnRef>
-          <a:fillRef idx="0">
-            <a:schemeClr val="accent1"/>
-          </a:fillRef>
-          <a:effectRef idx="0">
-            <a:schemeClr val="accent1"/>
-          </a:effectRef>
-          <a:fontRef idx="minor">
-            <a:schemeClr val="tx1"/>
-          </a:fontRef>
-        </p:style>
-      </p:cxnSp>
-      <p:cxnSp>
-        <p:nvCxnSpPr>
-          <p:cNvPr id="160" name="肘形连接符 159"/>
-          <p:cNvCxnSpPr>
-            <a:stCxn id="155" idx="2"/>
-            <a:endCxn id="119" idx="1"/>
-          </p:cNvCxnSpPr>
-          <p:nvPr/>
-        </p:nvCxnSpPr>
-        <p:spPr>
-          <a:xfrm rot="16200000" flipH="1">
-            <a:off x="7783191" y="1864975"/>
-            <a:ext cx="484048" cy="470404"/>
-          </a:xfrm>
-          <a:prstGeom prst="bentConnector2">
-            <a:avLst/>
-          </a:prstGeom>
-          <a:ln>
-            <a:tailEnd type="triangle"/>
-          </a:ln>
-        </p:spPr>
-        <p:style>
-          <a:lnRef idx="1">
-            <a:schemeClr val="accent1"/>
-          </a:lnRef>
-          <a:fillRef idx="0">
-            <a:schemeClr val="accent1"/>
-          </a:fillRef>
-          <a:effectRef idx="0">
-            <a:schemeClr val="accent1"/>
-          </a:effectRef>
-          <a:fontRef idx="minor">
-            <a:schemeClr val="tx1"/>
-          </a:fontRef>
-        </p:style>
-      </p:cxnSp>
     </p:spTree>
     <p:extLst>
       <p:ext uri="{BB962C8B-B14F-4D97-AF65-F5344CB8AC3E}">
